--- a/Mechanical/Schemenskizzen/Powerpoint/Walze.pptx
+++ b/Mechanical/Schemenskizzen/Powerpoint/Walze.pptx
@@ -104,6 +104,11 @@
       </a:defRPr>
     </a:lvl9pPr>
   </p:defaultTextStyle>
+  <p:extLst>
+    <p:ext uri="{EFAFB233-063F-42B5-8137-9DF3F51BA10A}">
+      <p15:sldGuideLst xmlns:p15="http://schemas.microsoft.com/office/powerpoint/2012/main"/>
+    </p:ext>
+  </p:extLst>
 </p:presentation>
 </file>
 
@@ -256,7 +261,7 @@
           <a:p>
             <a:fld id="{45D739EE-B3ED-4251-A90D-C2ABF11A6A70}" type="datetimeFigureOut">
               <a:rPr lang="de-AT" smtClean="0"/>
-              <a:t>09.02.2018</a:t>
+              <a:t>18.02.2018</a:t>
             </a:fld>
             <a:endParaRPr lang="de-AT"/>
           </a:p>
@@ -456,7 +461,7 @@
           <a:p>
             <a:fld id="{45D739EE-B3ED-4251-A90D-C2ABF11A6A70}" type="datetimeFigureOut">
               <a:rPr lang="de-AT" smtClean="0"/>
-              <a:t>09.02.2018</a:t>
+              <a:t>18.02.2018</a:t>
             </a:fld>
             <a:endParaRPr lang="de-AT"/>
           </a:p>
@@ -666,7 +671,7 @@
           <a:p>
             <a:fld id="{45D739EE-B3ED-4251-A90D-C2ABF11A6A70}" type="datetimeFigureOut">
               <a:rPr lang="de-AT" smtClean="0"/>
-              <a:t>09.02.2018</a:t>
+              <a:t>18.02.2018</a:t>
             </a:fld>
             <a:endParaRPr lang="de-AT"/>
           </a:p>
@@ -866,7 +871,7 @@
           <a:p>
             <a:fld id="{45D739EE-B3ED-4251-A90D-C2ABF11A6A70}" type="datetimeFigureOut">
               <a:rPr lang="de-AT" smtClean="0"/>
-              <a:t>09.02.2018</a:t>
+              <a:t>18.02.2018</a:t>
             </a:fld>
             <a:endParaRPr lang="de-AT"/>
           </a:p>
@@ -1142,7 +1147,7 @@
           <a:p>
             <a:fld id="{45D739EE-B3ED-4251-A90D-C2ABF11A6A70}" type="datetimeFigureOut">
               <a:rPr lang="de-AT" smtClean="0"/>
-              <a:t>09.02.2018</a:t>
+              <a:t>18.02.2018</a:t>
             </a:fld>
             <a:endParaRPr lang="de-AT"/>
           </a:p>
@@ -1410,7 +1415,7 @@
           <a:p>
             <a:fld id="{45D739EE-B3ED-4251-A90D-C2ABF11A6A70}" type="datetimeFigureOut">
               <a:rPr lang="de-AT" smtClean="0"/>
-              <a:t>09.02.2018</a:t>
+              <a:t>18.02.2018</a:t>
             </a:fld>
             <a:endParaRPr lang="de-AT"/>
           </a:p>
@@ -1825,7 +1830,7 @@
           <a:p>
             <a:fld id="{45D739EE-B3ED-4251-A90D-C2ABF11A6A70}" type="datetimeFigureOut">
               <a:rPr lang="de-AT" smtClean="0"/>
-              <a:t>09.02.2018</a:t>
+              <a:t>18.02.2018</a:t>
             </a:fld>
             <a:endParaRPr lang="de-AT"/>
           </a:p>
@@ -1967,7 +1972,7 @@
           <a:p>
             <a:fld id="{45D739EE-B3ED-4251-A90D-C2ABF11A6A70}" type="datetimeFigureOut">
               <a:rPr lang="de-AT" smtClean="0"/>
-              <a:t>09.02.2018</a:t>
+              <a:t>18.02.2018</a:t>
             </a:fld>
             <a:endParaRPr lang="de-AT"/>
           </a:p>
@@ -2080,7 +2085,7 @@
           <a:p>
             <a:fld id="{45D739EE-B3ED-4251-A90D-C2ABF11A6A70}" type="datetimeFigureOut">
               <a:rPr lang="de-AT" smtClean="0"/>
-              <a:t>09.02.2018</a:t>
+              <a:t>18.02.2018</a:t>
             </a:fld>
             <a:endParaRPr lang="de-AT"/>
           </a:p>
@@ -2393,7 +2398,7 @@
           <a:p>
             <a:fld id="{45D739EE-B3ED-4251-A90D-C2ABF11A6A70}" type="datetimeFigureOut">
               <a:rPr lang="de-AT" smtClean="0"/>
-              <a:t>09.02.2018</a:t>
+              <a:t>18.02.2018</a:t>
             </a:fld>
             <a:endParaRPr lang="de-AT"/>
           </a:p>
@@ -2682,7 +2687,7 @@
           <a:p>
             <a:fld id="{45D739EE-B3ED-4251-A90D-C2ABF11A6A70}" type="datetimeFigureOut">
               <a:rPr lang="de-AT" smtClean="0"/>
-              <a:t>09.02.2018</a:t>
+              <a:t>18.02.2018</a:t>
             </a:fld>
             <a:endParaRPr lang="de-AT"/>
           </a:p>
@@ -2925,7 +2930,7 @@
           <a:p>
             <a:fld id="{45D739EE-B3ED-4251-A90D-C2ABF11A6A70}" type="datetimeFigureOut">
               <a:rPr lang="de-AT" smtClean="0"/>
-              <a:t>09.02.2018</a:t>
+              <a:t>18.02.2018</a:t>
             </a:fld>
             <a:endParaRPr lang="de-AT"/>
           </a:p>
@@ -3344,10 +3349,10 @@
       </p:grpSpPr>
       <p:grpSp>
         <p:nvGrpSpPr>
-          <p:cNvPr id="13" name="Gruppieren 12">
-            <a:extLst>
-              <a:ext uri="{FF2B5EF4-FFF2-40B4-BE49-F238E27FC236}">
-                <a16:creationId xmlns:a16="http://schemas.microsoft.com/office/drawing/2014/main" id="{F713BAA3-B586-4F0B-8A1F-726840497188}"/>
+          <p:cNvPr id="2" name="Gruppieren 1">
+            <a:extLst>
+              <a:ext uri="{FF2B5EF4-FFF2-40B4-BE49-F238E27FC236}">
+                <a16:creationId xmlns:a16="http://schemas.microsoft.com/office/drawing/2014/main" id="{9E3DD3ED-F280-4718-AD13-80117C2CEBEC}"/>
               </a:ext>
             </a:extLst>
           </p:cNvPr>
@@ -3356,10 +3361,10 @@
         </p:nvGrpSpPr>
         <p:grpSpPr>
           <a:xfrm>
-            <a:off x="1975339" y="1220374"/>
-            <a:ext cx="8241322" cy="2208626"/>
-            <a:chOff x="1995268" y="1019909"/>
-            <a:chExt cx="8241322" cy="2208626"/>
+            <a:off x="1886010" y="1368082"/>
+            <a:ext cx="5894363" cy="1885071"/>
+            <a:chOff x="1073834" y="1368083"/>
+            <a:chExt cx="5894363" cy="1885071"/>
           </a:xfrm>
         </p:grpSpPr>
         <p:sp>
@@ -3376,7 +3381,7 @@
           </p:nvSpPr>
           <p:spPr>
             <a:xfrm>
-              <a:off x="2754924" y="1167619"/>
+              <a:off x="1833490" y="1368083"/>
               <a:ext cx="4262510" cy="1885071"/>
             </a:xfrm>
             <a:prstGeom prst="rect">
@@ -3428,7 +3433,7 @@
           </p:nvCxnSpPr>
           <p:spPr>
             <a:xfrm>
-              <a:off x="1995268" y="2124222"/>
+              <a:off x="1073834" y="2324686"/>
               <a:ext cx="5894363" cy="0"/>
             </a:xfrm>
             <a:prstGeom prst="line">
@@ -3459,153 +3464,199 @@
             </a:fontRef>
           </p:style>
         </p:cxnSp>
-        <p:sp>
-          <p:nvSpPr>
-            <p:cNvPr id="7" name="Ellipse 6">
-              <a:extLst>
-                <a:ext uri="{FF2B5EF4-FFF2-40B4-BE49-F238E27FC236}">
-                  <a16:creationId xmlns:a16="http://schemas.microsoft.com/office/drawing/2014/main" id="{8510F9BD-5734-4C58-9D89-79BF6B5A20B6}"/>
-                </a:ext>
-              </a:extLst>
-            </p:cNvPr>
-            <p:cNvSpPr/>
-            <p:nvPr/>
-          </p:nvSpPr>
-          <p:spPr>
-            <a:xfrm>
-              <a:off x="8145196" y="1167618"/>
-              <a:ext cx="1885071" cy="1885071"/>
-            </a:xfrm>
-            <a:prstGeom prst="ellipse">
-              <a:avLst/>
-            </a:prstGeom>
+      </p:grpSp>
+      <p:sp>
+        <p:nvSpPr>
+          <p:cNvPr id="7" name="Ellipse 6">
+            <a:extLst>
+              <a:ext uri="{FF2B5EF4-FFF2-40B4-BE49-F238E27FC236}">
+                <a16:creationId xmlns:a16="http://schemas.microsoft.com/office/drawing/2014/main" id="{8510F9BD-5734-4C58-9D89-79BF6B5A20B6}"/>
+              </a:ext>
+            </a:extLst>
+          </p:cNvPr>
+          <p:cNvSpPr/>
+          <p:nvPr/>
+        </p:nvSpPr>
+        <p:spPr>
+          <a:xfrm>
+            <a:off x="8125267" y="1368083"/>
+            <a:ext cx="1885071" cy="1885071"/>
+          </a:xfrm>
+          <a:prstGeom prst="ellipse">
+            <a:avLst/>
+          </a:prstGeom>
+          <a:solidFill>
+            <a:schemeClr val="accent1">
+              <a:lumMod val="40000"/>
+              <a:lumOff val="60000"/>
+            </a:schemeClr>
+          </a:solidFill>
+        </p:spPr>
+        <p:style>
+          <a:lnRef idx="2">
+            <a:schemeClr val="accent1">
+              <a:shade val="50000"/>
+            </a:schemeClr>
+          </a:lnRef>
+          <a:fillRef idx="1">
+            <a:schemeClr val="accent1"/>
+          </a:fillRef>
+          <a:effectRef idx="0">
+            <a:schemeClr val="accent1"/>
+          </a:effectRef>
+          <a:fontRef idx="minor">
+            <a:schemeClr val="lt1"/>
+          </a:fontRef>
+        </p:style>
+        <p:txBody>
+          <a:bodyPr rtlCol="0" anchor="ctr"/>
+          <a:lstStyle/>
+          <a:p>
+            <a:pPr algn="ctr"/>
+            <a:endParaRPr lang="de-AT"/>
+          </a:p>
+        </p:txBody>
+      </p:sp>
+      <p:cxnSp>
+        <p:nvCxnSpPr>
+          <p:cNvPr id="8" name="Gerader Verbinder 7">
+            <a:extLst>
+              <a:ext uri="{FF2B5EF4-FFF2-40B4-BE49-F238E27FC236}">
+                <a16:creationId xmlns:a16="http://schemas.microsoft.com/office/drawing/2014/main" id="{7B3811FA-2EBA-4DDA-80C3-6F88DFA937AB}"/>
+              </a:ext>
+            </a:extLst>
+          </p:cNvPr>
+          <p:cNvCxnSpPr>
+            <a:cxnSpLocks/>
+          </p:cNvCxnSpPr>
+          <p:nvPr/>
+        </p:nvCxnSpPr>
+        <p:spPr>
+          <a:xfrm>
+            <a:off x="7998655" y="2324687"/>
+            <a:ext cx="2218006" cy="0"/>
+          </a:xfrm>
+          <a:prstGeom prst="line">
+            <a:avLst/>
+          </a:prstGeom>
+          <a:ln w="9525" cap="flat" cmpd="sng" algn="ctr">
             <a:solidFill>
-              <a:schemeClr val="accent1">
-                <a:lumMod val="40000"/>
-                <a:lumOff val="60000"/>
-              </a:schemeClr>
+              <a:schemeClr val="dk1"/>
             </a:solidFill>
-          </p:spPr>
-          <p:style>
-            <a:lnRef idx="2">
-              <a:schemeClr val="accent1">
-                <a:shade val="50000"/>
-              </a:schemeClr>
-            </a:lnRef>
-            <a:fillRef idx="1">
-              <a:schemeClr val="accent1"/>
-            </a:fillRef>
-            <a:effectRef idx="0">
-              <a:schemeClr val="accent1"/>
-            </a:effectRef>
-            <a:fontRef idx="minor">
-              <a:schemeClr val="lt1"/>
-            </a:fontRef>
-          </p:style>
-          <p:txBody>
-            <a:bodyPr rtlCol="0" anchor="ctr"/>
-            <a:lstStyle/>
-            <a:p>
-              <a:pPr algn="ctr"/>
-              <a:endParaRPr lang="de-AT"/>
-            </a:p>
-          </p:txBody>
-        </p:sp>
-        <p:cxnSp>
-          <p:nvCxnSpPr>
-            <p:cNvPr id="8" name="Gerader Verbinder 7">
-              <a:extLst>
-                <a:ext uri="{FF2B5EF4-FFF2-40B4-BE49-F238E27FC236}">
-                  <a16:creationId xmlns:a16="http://schemas.microsoft.com/office/drawing/2014/main" id="{7B3811FA-2EBA-4DDA-80C3-6F88DFA937AB}"/>
-                </a:ext>
-              </a:extLst>
-            </p:cNvPr>
-            <p:cNvCxnSpPr>
-              <a:cxnSpLocks/>
-            </p:cNvCxnSpPr>
-            <p:nvPr/>
-          </p:nvCxnSpPr>
-          <p:spPr>
-            <a:xfrm>
-              <a:off x="8018584" y="2124222"/>
-              <a:ext cx="2218006" cy="0"/>
-            </a:xfrm>
-            <a:prstGeom prst="line">
-              <a:avLst/>
-            </a:prstGeom>
-            <a:ln w="9525" cap="flat" cmpd="sng" algn="ctr">
-              <a:solidFill>
-                <a:schemeClr val="dk1"/>
-              </a:solidFill>
-              <a:prstDash val="dash"/>
-              <a:round/>
-              <a:headEnd type="none" w="med" len="med"/>
-              <a:tailEnd type="none" w="med" len="med"/>
-            </a:ln>
-          </p:spPr>
-          <p:style>
-            <a:lnRef idx="0">
-              <a:scrgbClr r="0" g="0" b="0"/>
-            </a:lnRef>
-            <a:fillRef idx="0">
-              <a:scrgbClr r="0" g="0" b="0"/>
-            </a:fillRef>
-            <a:effectRef idx="0">
-              <a:scrgbClr r="0" g="0" b="0"/>
-            </a:effectRef>
-            <a:fontRef idx="minor">
-              <a:schemeClr val="tx1"/>
-            </a:fontRef>
-          </p:style>
-        </p:cxnSp>
-        <p:cxnSp>
-          <p:nvCxnSpPr>
-            <p:cNvPr id="10" name="Gerader Verbinder 9">
-              <a:extLst>
-                <a:ext uri="{FF2B5EF4-FFF2-40B4-BE49-F238E27FC236}">
-                  <a16:creationId xmlns:a16="http://schemas.microsoft.com/office/drawing/2014/main" id="{34F783D6-4FD7-452A-B8EE-E0C90C906C1D}"/>
-                </a:ext>
-              </a:extLst>
-            </p:cNvPr>
-            <p:cNvCxnSpPr>
-              <a:cxnSpLocks/>
-            </p:cNvCxnSpPr>
-            <p:nvPr/>
-          </p:nvCxnSpPr>
-          <p:spPr>
-            <a:xfrm flipV="1">
-              <a:off x="9099453" y="1019909"/>
-              <a:ext cx="0" cy="2208626"/>
-            </a:xfrm>
-            <a:prstGeom prst="line">
-              <a:avLst/>
-            </a:prstGeom>
-            <a:ln w="9525" cap="flat" cmpd="sng" algn="ctr">
-              <a:solidFill>
-                <a:schemeClr val="dk1"/>
-              </a:solidFill>
-              <a:prstDash val="dash"/>
-              <a:round/>
-              <a:headEnd type="none" w="med" len="med"/>
-              <a:tailEnd type="none" w="med" len="med"/>
-            </a:ln>
-          </p:spPr>
-          <p:style>
-            <a:lnRef idx="0">
-              <a:scrgbClr r="0" g="0" b="0"/>
-            </a:lnRef>
-            <a:fillRef idx="0">
-              <a:scrgbClr r="0" g="0" b="0"/>
-            </a:fillRef>
-            <a:effectRef idx="0">
-              <a:scrgbClr r="0" g="0" b="0"/>
-            </a:effectRef>
-            <a:fontRef idx="minor">
-              <a:schemeClr val="tx1"/>
-            </a:fontRef>
-          </p:style>
-        </p:cxnSp>
-      </p:grpSp>
+            <a:prstDash val="dash"/>
+            <a:round/>
+            <a:headEnd type="none" w="med" len="med"/>
+            <a:tailEnd type="none" w="med" len="med"/>
+          </a:ln>
+        </p:spPr>
+        <p:style>
+          <a:lnRef idx="0">
+            <a:scrgbClr r="0" g="0" b="0"/>
+          </a:lnRef>
+          <a:fillRef idx="0">
+            <a:scrgbClr r="0" g="0" b="0"/>
+          </a:fillRef>
+          <a:effectRef idx="0">
+            <a:scrgbClr r="0" g="0" b="0"/>
+          </a:effectRef>
+          <a:fontRef idx="minor">
+            <a:schemeClr val="tx1"/>
+          </a:fontRef>
+        </p:style>
+      </p:cxnSp>
+      <p:cxnSp>
+        <p:nvCxnSpPr>
+          <p:cNvPr id="10" name="Gerader Verbinder 9">
+            <a:extLst>
+              <a:ext uri="{FF2B5EF4-FFF2-40B4-BE49-F238E27FC236}">
+                <a16:creationId xmlns:a16="http://schemas.microsoft.com/office/drawing/2014/main" id="{34F783D6-4FD7-452A-B8EE-E0C90C906C1D}"/>
+              </a:ext>
+            </a:extLst>
+          </p:cNvPr>
+          <p:cNvCxnSpPr>
+            <a:cxnSpLocks/>
+          </p:cNvCxnSpPr>
+          <p:nvPr/>
+        </p:nvCxnSpPr>
+        <p:spPr>
+          <a:xfrm flipV="1">
+            <a:off x="9079524" y="1220374"/>
+            <a:ext cx="0" cy="2208626"/>
+          </a:xfrm>
+          <a:prstGeom prst="line">
+            <a:avLst/>
+          </a:prstGeom>
+          <a:ln w="9525" cap="flat" cmpd="sng" algn="ctr">
+            <a:solidFill>
+              <a:schemeClr val="dk1"/>
+            </a:solidFill>
+            <a:prstDash val="dash"/>
+            <a:round/>
+            <a:headEnd type="none" w="med" len="med"/>
+            <a:tailEnd type="none" w="med" len="med"/>
+          </a:ln>
+        </p:spPr>
+        <p:style>
+          <a:lnRef idx="0">
+            <a:scrgbClr r="0" g="0" b="0"/>
+          </a:lnRef>
+          <a:fillRef idx="0">
+            <a:scrgbClr r="0" g="0" b="0"/>
+          </a:fillRef>
+          <a:effectRef idx="0">
+            <a:scrgbClr r="0" g="0" b="0"/>
+          </a:effectRef>
+          <a:fontRef idx="minor">
+            <a:schemeClr val="tx1"/>
+          </a:fontRef>
+        </p:style>
+      </p:cxnSp>
+      <p:sp>
+        <p:nvSpPr>
+          <p:cNvPr id="9" name="Pfeil: nach oben 8">
+            <a:extLst>
+              <a:ext uri="{FF2B5EF4-FFF2-40B4-BE49-F238E27FC236}">
+                <a16:creationId xmlns:a16="http://schemas.microsoft.com/office/drawing/2014/main" id="{4A2AFFF7-82CA-4C29-9AB3-2F4B03D59259}"/>
+              </a:ext>
+            </a:extLst>
+          </p:cNvPr>
+          <p:cNvSpPr/>
+          <p:nvPr/>
+        </p:nvSpPr>
+        <p:spPr>
+          <a:xfrm>
+            <a:off x="7688703" y="1206305"/>
+            <a:ext cx="541524" cy="2208626"/>
+          </a:xfrm>
+          <a:prstGeom prst="upArrow">
+            <a:avLst/>
+          </a:prstGeom>
+        </p:spPr>
+        <p:style>
+          <a:lnRef idx="2">
+            <a:schemeClr val="accent1">
+              <a:shade val="50000"/>
+            </a:schemeClr>
+          </a:lnRef>
+          <a:fillRef idx="1">
+            <a:schemeClr val="accent1"/>
+          </a:fillRef>
+          <a:effectRef idx="0">
+            <a:schemeClr val="accent1"/>
+          </a:effectRef>
+          <a:fontRef idx="minor">
+            <a:schemeClr val="lt1"/>
+          </a:fontRef>
+        </p:style>
+        <p:txBody>
+          <a:bodyPr rtlCol="0" anchor="ctr"/>
+          <a:lstStyle/>
+          <a:p>
+            <a:pPr algn="ctr"/>
+            <a:endParaRPr lang="de-DE"/>
+          </a:p>
+        </p:txBody>
+      </p:sp>
     </p:spTree>
     <p:extLst>
       <p:ext uri="{BB962C8B-B14F-4D97-AF65-F5344CB8AC3E}">
